--- a/Assignment_1/Relazione_Ass1.pptx
+++ b/Assignment_1/Relazione_Ass1.pptx
@@ -847,7 +847,7 @@
             <a:fld id="{B61BEF0D-F0BB-DE4B-95CE-6DB70DBA9567}" type="datetimeFigureOut">
               <a:rPr lang="en-US" dirty="0"/>
               <a:pPr/>
-              <a:t>10/3/2021</a:t>
+              <a:t>10/4/2021</a:t>
             </a:fld>
             <a:endParaRPr lang="en-US" dirty="0"/>
           </a:p>
@@ -1095,7 +1095,7 @@
             <a:fld id="{B61BEF0D-F0BB-DE4B-95CE-6DB70DBA9567}" type="datetimeFigureOut">
               <a:rPr lang="en-US" dirty="0"/>
               <a:pPr/>
-              <a:t>10/3/2021</a:t>
+              <a:t>10/4/2021</a:t>
             </a:fld>
             <a:endParaRPr lang="en-US" dirty="0"/>
           </a:p>
@@ -1406,7 +1406,7 @@
             <a:fld id="{B61BEF0D-F0BB-DE4B-95CE-6DB70DBA9567}" type="datetimeFigureOut">
               <a:rPr lang="en-US" dirty="0"/>
               <a:pPr/>
-              <a:t>10/3/2021</a:t>
+              <a:t>10/4/2021</a:t>
             </a:fld>
             <a:endParaRPr lang="en-US" dirty="0"/>
           </a:p>
@@ -1744,7 +1744,7 @@
             <a:fld id="{B61BEF0D-F0BB-DE4B-95CE-6DB70DBA9567}" type="datetimeFigureOut">
               <a:rPr lang="en-US" dirty="0"/>
               <a:pPr/>
-              <a:t>10/3/2021</a:t>
+              <a:t>10/4/2021</a:t>
             </a:fld>
             <a:endParaRPr lang="en-US" dirty="0"/>
           </a:p>
@@ -2055,7 +2055,7 @@
             <a:fld id="{B61BEF0D-F0BB-DE4B-95CE-6DB70DBA9567}" type="datetimeFigureOut">
               <a:rPr lang="en-US" dirty="0"/>
               <a:pPr/>
-              <a:t>10/3/2021</a:t>
+              <a:t>10/4/2021</a:t>
             </a:fld>
             <a:endParaRPr lang="en-US" dirty="0"/>
           </a:p>
@@ -2445,7 +2445,7 @@
             <a:fld id="{B61BEF0D-F0BB-DE4B-95CE-6DB70DBA9567}" type="datetimeFigureOut">
               <a:rPr lang="en-US" dirty="0"/>
               <a:pPr/>
-              <a:t>10/3/2021</a:t>
+              <a:t>10/4/2021</a:t>
             </a:fld>
             <a:endParaRPr lang="en-US" dirty="0"/>
           </a:p>
@@ -2611,7 +2611,7 @@
           <a:p>
             <a:fld id="{55C6B4A9-1611-4792-9094-5F34BCA07E0B}" type="datetimeFigureOut">
               <a:rPr lang="en-US" dirty="0"/>
-              <a:t>10/3/2021</a:t>
+              <a:t>10/4/2021</a:t>
             </a:fld>
             <a:endParaRPr lang="en-US" dirty="0"/>
           </a:p>
@@ -2787,7 +2787,7 @@
             <a:fld id="{B61BEF0D-F0BB-DE4B-95CE-6DB70DBA9567}" type="datetimeFigureOut">
               <a:rPr lang="en-US" dirty="0"/>
               <a:pPr/>
-              <a:t>10/3/2021</a:t>
+              <a:t>10/4/2021</a:t>
             </a:fld>
             <a:endParaRPr lang="en-US" dirty="0"/>
           </a:p>
@@ -2992,7 +2992,7 @@
             <a:fld id="{B61BEF0D-F0BB-DE4B-95CE-6DB70DBA9567}" type="datetimeFigureOut">
               <a:rPr lang="en-US" smtClean="0"/>
               <a:pPr/>
-              <a:t>10/3/2021</a:t>
+              <a:t>10/4/2021</a:t>
             </a:fld>
             <a:endParaRPr lang="en-US" dirty="0"/>
           </a:p>
@@ -3192,7 +3192,7 @@
             <a:fld id="{B61BEF0D-F0BB-DE4B-95CE-6DB70DBA9567}" type="datetimeFigureOut">
               <a:rPr lang="en-US" smtClean="0"/>
               <a:pPr/>
-              <a:t>10/3/2021</a:t>
+              <a:t>10/4/2021</a:t>
             </a:fld>
             <a:endParaRPr lang="en-US" dirty="0"/>
           </a:p>
@@ -3469,7 +3469,7 @@
             <a:fld id="{B61BEF0D-F0BB-DE4B-95CE-6DB70DBA9567}" type="datetimeFigureOut">
               <a:rPr lang="en-US" smtClean="0"/>
               <a:pPr/>
-              <a:t>10/3/2021</a:t>
+              <a:t>10/4/2021</a:t>
             </a:fld>
             <a:endParaRPr lang="en-US" dirty="0"/>
           </a:p>
@@ -3659,7 +3659,7 @@
             <a:fld id="{B61BEF0D-F0BB-DE4B-95CE-6DB70DBA9567}" type="datetimeFigureOut">
               <a:rPr lang="en-US" dirty="0"/>
               <a:pPr/>
-              <a:t>10/3/2021</a:t>
+              <a:t>10/4/2021</a:t>
             </a:fld>
             <a:endParaRPr lang="en-US" dirty="0"/>
           </a:p>
@@ -3908,7 +3908,7 @@
           <a:p>
             <a:fld id="{EB712588-04B1-427B-82EE-E8DB90309F08}" type="datetimeFigureOut">
               <a:rPr lang="en-US" smtClean="0"/>
-              <a:t>10/3/2021</a:t>
+              <a:t>10/4/2021</a:t>
             </a:fld>
             <a:endParaRPr lang="en-US" dirty="0"/>
           </a:p>
@@ -4321,7 +4321,7 @@
             <a:fld id="{B61BEF0D-F0BB-DE4B-95CE-6DB70DBA9567}" type="datetimeFigureOut">
               <a:rPr lang="en-US" smtClean="0"/>
               <a:pPr/>
-              <a:t>10/3/2021</a:t>
+              <a:t>10/4/2021</a:t>
             </a:fld>
             <a:endParaRPr lang="en-US" dirty="0"/>
           </a:p>
@@ -4464,7 +4464,7 @@
             <a:fld id="{B61BEF0D-F0BB-DE4B-95CE-6DB70DBA9567}" type="datetimeFigureOut">
               <a:rPr lang="en-US" smtClean="0"/>
               <a:pPr/>
-              <a:t>10/3/2021</a:t>
+              <a:t>10/4/2021</a:t>
             </a:fld>
             <a:endParaRPr lang="en-US" dirty="0"/>
           </a:p>
@@ -4579,7 +4579,7 @@
             <a:fld id="{B61BEF0D-F0BB-DE4B-95CE-6DB70DBA9567}" type="datetimeFigureOut">
               <a:rPr lang="en-US" smtClean="0"/>
               <a:pPr/>
-              <a:t>10/3/2021</a:t>
+              <a:t>10/4/2021</a:t>
             </a:fld>
             <a:endParaRPr lang="en-US" dirty="0"/>
           </a:p>
@@ -4891,7 +4891,7 @@
           <a:p>
             <a:fld id="{42A54C80-263E-416B-A8E0-580EDEADCBDC}" type="datetimeFigureOut">
               <a:rPr lang="en-US" smtClean="0"/>
-              <a:t>10/3/2021</a:t>
+              <a:t>10/4/2021</a:t>
             </a:fld>
             <a:endParaRPr lang="en-US" dirty="0"/>
           </a:p>
@@ -5180,7 +5180,7 @@
             <a:fld id="{B61BEF0D-F0BB-DE4B-95CE-6DB70DBA9567}" type="datetimeFigureOut">
               <a:rPr lang="en-US" smtClean="0"/>
               <a:pPr/>
-              <a:t>10/3/2021</a:t>
+              <a:t>10/4/2021</a:t>
             </a:fld>
             <a:endParaRPr lang="en-US" dirty="0"/>
           </a:p>
@@ -5379,7 +5379,7 @@
           <a:p>
             <a:fld id="{55C6B4A9-1611-4792-9094-5F34BCA07E0B}" type="datetimeFigureOut">
               <a:rPr lang="en-US" smtClean="0"/>
-              <a:t>10/3/2021</a:t>
+              <a:t>10/4/2021</a:t>
             </a:fld>
             <a:endParaRPr lang="en-US" dirty="0"/>
           </a:p>
@@ -5588,7 +5588,7 @@
             <a:fld id="{B61BEF0D-F0BB-DE4B-95CE-6DB70DBA9567}" type="datetimeFigureOut">
               <a:rPr lang="en-US" smtClean="0"/>
               <a:pPr/>
-              <a:t>10/3/2021</a:t>
+              <a:t>10/4/2021</a:t>
             </a:fld>
             <a:endParaRPr lang="en-US" dirty="0"/>
           </a:p>
@@ -5849,7 +5849,7 @@
             <a:fld id="{B61BEF0D-F0BB-DE4B-95CE-6DB70DBA9567}" type="datetimeFigureOut">
               <a:rPr lang="en-US" dirty="0"/>
               <a:pPr/>
-              <a:t>10/3/2021</a:t>
+              <a:t>10/4/2021</a:t>
             </a:fld>
             <a:endParaRPr lang="en-US" dirty="0"/>
           </a:p>
@@ -6077,7 +6077,7 @@
           <a:p>
             <a:fld id="{EB712588-04B1-427B-82EE-E8DB90309F08}" type="datetimeFigureOut">
               <a:rPr lang="en-US" dirty="0"/>
-              <a:t>10/3/2021</a:t>
+              <a:t>10/4/2021</a:t>
             </a:fld>
             <a:endParaRPr lang="en-US" dirty="0"/>
           </a:p>
@@ -6447,7 +6447,7 @@
             <a:fld id="{B61BEF0D-F0BB-DE4B-95CE-6DB70DBA9567}" type="datetimeFigureOut">
               <a:rPr lang="en-US" dirty="0"/>
               <a:pPr/>
-              <a:t>10/3/2021</a:t>
+              <a:t>10/4/2021</a:t>
             </a:fld>
             <a:endParaRPr lang="en-US" dirty="0"/>
           </a:p>
@@ -6567,7 +6567,7 @@
             <a:fld id="{B61BEF0D-F0BB-DE4B-95CE-6DB70DBA9567}" type="datetimeFigureOut">
               <a:rPr lang="en-US" dirty="0"/>
               <a:pPr/>
-              <a:t>10/3/2021</a:t>
+              <a:t>10/4/2021</a:t>
             </a:fld>
             <a:endParaRPr lang="en-US" dirty="0"/>
           </a:p>
@@ -6659,7 +6659,7 @@
             <a:fld id="{B61BEF0D-F0BB-DE4B-95CE-6DB70DBA9567}" type="datetimeFigureOut">
               <a:rPr lang="en-US" dirty="0"/>
               <a:pPr/>
-              <a:t>10/3/2021</a:t>
+              <a:t>10/4/2021</a:t>
             </a:fld>
             <a:endParaRPr lang="en-US" dirty="0"/>
           </a:p>
@@ -6910,7 +6910,7 @@
           <a:p>
             <a:fld id="{42A54C80-263E-416B-A8E0-580EDEADCBDC}" type="datetimeFigureOut">
               <a:rPr lang="en-US" dirty="0"/>
-              <a:t>10/3/2021</a:t>
+              <a:t>10/4/2021</a:t>
             </a:fld>
             <a:endParaRPr lang="en-US" dirty="0"/>
           </a:p>
@@ -7169,7 +7169,7 @@
             <a:fld id="{B61BEF0D-F0BB-DE4B-95CE-6DB70DBA9567}" type="datetimeFigureOut">
               <a:rPr lang="en-US" dirty="0"/>
               <a:pPr/>
-              <a:t>10/3/2021</a:t>
+              <a:t>10/4/2021</a:t>
             </a:fld>
             <a:endParaRPr lang="en-US" dirty="0"/>
           </a:p>
@@ -7909,7 +7909,7 @@
             <a:fld id="{B61BEF0D-F0BB-DE4B-95CE-6DB70DBA9567}" type="datetimeFigureOut">
               <a:rPr lang="en-US" dirty="0"/>
               <a:pPr/>
-              <a:t>10/3/2021</a:t>
+              <a:t>10/4/2021</a:t>
             </a:fld>
             <a:endParaRPr lang="en-US" dirty="0"/>
           </a:p>
@@ -8581,7 +8581,7 @@
             <a:fld id="{B61BEF0D-F0BB-DE4B-95CE-6DB70DBA9567}" type="datetimeFigureOut">
               <a:rPr lang="en-US" smtClean="0"/>
               <a:pPr/>
-              <a:t>10/3/2021</a:t>
+              <a:t>10/4/2021</a:t>
             </a:fld>
             <a:endParaRPr lang="en-US" dirty="0"/>
           </a:p>
@@ -9697,15 +9697,44 @@
         </p:nvSpPr>
         <p:spPr>
           <a:xfrm>
-            <a:off x="1400535" y="3286957"/>
-            <a:ext cx="7766936" cy="1096899"/>
+            <a:off x="903385" y="2435809"/>
+            <a:ext cx="7766936" cy="2766505"/>
           </a:xfrm>
         </p:spPr>
         <p:txBody>
-          <a:bodyPr/>
+          <a:bodyPr>
+            <a:normAutofit/>
+          </a:bodyPr>
           <a:lstStyle/>
           <a:p>
-            <a:endParaRPr lang="it-IT" dirty="0"/>
+            <a:pPr algn="l"/>
+            <a:r>
+              <a:rPr lang="it-IT" dirty="0">
+                <a:solidFill>
+                  <a:schemeClr val="tx1"/>
+                </a:solidFill>
+              </a:rPr>
+              <a:t>Dalle simulazioni si nota la convergenza a zero dell’errore di stima sullo stato, mentre per quanto riguarda le stime dei parametri in generale non si ha convergenza ai parametri reali, però si può notare che nel caso in cui ho una sinusoide in ingresso ho la convergenza dei parametri. </a:t>
+            </a:r>
+          </a:p>
+          <a:p>
+            <a:pPr algn="l"/>
+            <a:endParaRPr lang="it-IT" dirty="0">
+              <a:solidFill>
+                <a:schemeClr val="tx1"/>
+              </a:solidFill>
+            </a:endParaRPr>
+          </a:p>
+          <a:p>
+            <a:pPr algn="l"/>
+            <a:r>
+              <a:rPr lang="it-IT" dirty="0">
+                <a:solidFill>
+                  <a:schemeClr val="tx1"/>
+                </a:solidFill>
+              </a:rPr>
+              <a:t>Nel caso in cui il parametro «a» è tempo variante si osserva che l’algoritmo è robusto rispetto a delle piccole variazioni  nel tempo.</a:t>
+            </a:r>
           </a:p>
         </p:txBody>
       </p:sp>
@@ -9966,7 +9995,7 @@
         </p:blipFill>
         <p:spPr>
           <a:xfrm>
-            <a:off x="1568425" y="2927952"/>
+            <a:off x="1550669" y="2590600"/>
             <a:ext cx="6835732" cy="1928027"/>
           </a:xfrm>
           <a:prstGeom prst="rect">
@@ -9988,8 +10017,8 @@
         </p:nvSpPr>
         <p:spPr>
           <a:xfrm>
-            <a:off x="2024109" y="5859262"/>
-            <a:ext cx="5723042" cy="646331"/>
+            <a:off x="749312" y="5366663"/>
+            <a:ext cx="7289175" cy="923330"/>
           </a:xfrm>
           <a:prstGeom prst="rect">
             <a:avLst/>
@@ -10004,7 +10033,13 @@
           <a:p>
             <a:r>
               <a:rPr lang="it-IT" dirty="0"/>
-              <a:t>Aggiungo qualcosa sulla convergenza dei parametri???</a:t>
+              <a:t>Garantiscono la convergenza a zero dell’errore di stima sullo stato, </a:t>
+            </a:r>
+          </a:p>
+          <a:p>
+            <a:r>
+              <a:rPr lang="it-IT" dirty="0"/>
+              <a:t>ma non garantisce la convergenza dei parametri stimati a quelli reali</a:t>
             </a:r>
           </a:p>
           <a:p>
@@ -10070,8 +10105,8 @@
           </a:p>
         </p:txBody>
       </p:sp>
-      <mc:AlternateContent xmlns:mc="http://schemas.openxmlformats.org/markup-compatibility/2006">
-        <mc:Choice xmlns:a14="http://schemas.microsoft.com/office/drawing/2010/main" Requires="a14">
+      <mc:AlternateContent xmlns:mc="http://schemas.openxmlformats.org/markup-compatibility/2006" xmlns:a14="http://schemas.microsoft.com/office/drawing/2010/main">
+        <mc:Choice Requires="a14">
           <p:sp>
             <p:nvSpPr>
               <p:cNvPr id="3" name="Segnaposto testo 2">
@@ -10154,7 +10189,7 @@
                     <m:sSub>
                       <m:sSubPr>
                         <m:ctrlPr>
-                          <a:rPr lang="it-IT" dirty="0" smtClean="0">
+                          <a:rPr lang="it-IT" i="1" dirty="0" smtClean="0">
                             <a:solidFill>
                               <a:srgbClr val="836967"/>
                             </a:solidFill>
@@ -10201,7 +10236,7 @@
             </p:txBody>
           </p:sp>
         </mc:Choice>
-        <mc:Fallback>
+        <mc:Fallback xmlns="">
           <p:sp>
             <p:nvSpPr>
               <p:cNvPr id="3" name="Segnaposto testo 2">
@@ -10271,8 +10306,8 @@
           <a:chExt cx="0" cy="0"/>
         </a:xfrm>
       </p:grpSpPr>
-      <mc:AlternateContent xmlns:mc="http://schemas.openxmlformats.org/markup-compatibility/2006" xmlns:a14="http://schemas.microsoft.com/office/drawing/2010/main">
-        <mc:Choice Requires="a14">
+      <mc:AlternateContent xmlns:mc="http://schemas.openxmlformats.org/markup-compatibility/2006">
+        <mc:Choice xmlns:a14="http://schemas.microsoft.com/office/drawing/2010/main" Requires="a14">
           <p:sp>
             <p:nvSpPr>
               <p:cNvPr id="3" name="Segnaposto testo 2">
@@ -10297,7 +10332,7 @@
             </p:spPr>
             <p:txBody>
               <a:bodyPr>
-                <a:normAutofit fontScale="70000" lnSpcReduction="20000"/>
+                <a:normAutofit fontScale="85000" lnSpcReduction="20000"/>
               </a:bodyPr>
               <a:lstStyle/>
               <a:p>
@@ -10317,7 +10352,7 @@
                       <a:schemeClr val="tx1"/>
                     </a:solidFill>
                   </a:rPr>
-                  <a:t>-Riferimento a gradino</a:t>
+                  <a:t>- Input gradino</a:t>
                 </a:r>
               </a:p>
               <a:p>
@@ -10445,7 +10480,7 @@
             </p:txBody>
           </p:sp>
         </mc:Choice>
-        <mc:Fallback xmlns="">
+        <mc:Fallback>
           <p:sp>
             <p:nvSpPr>
               <p:cNvPr id="3" name="Segnaposto testo 2">
@@ -10470,7 +10505,7 @@
               <a:blipFill>
                 <a:blip r:embed="rId2"/>
                 <a:stretch>
-                  <a:fillRect l="-1622" t="-7246"/>
+                  <a:fillRect l="-2703" t="-9179" b="-1932"/>
                 </a:stretch>
               </a:blipFill>
             </p:spPr>
@@ -10489,8 +10524,8 @@
           </p:sp>
         </mc:Fallback>
       </mc:AlternateContent>
-      <mc:AlternateContent xmlns:mc="http://schemas.openxmlformats.org/markup-compatibility/2006" xmlns:a14="http://schemas.microsoft.com/office/drawing/2010/main">
-        <mc:Choice Requires="a14">
+      <mc:AlternateContent xmlns:mc="http://schemas.openxmlformats.org/markup-compatibility/2006">
+        <mc:Choice xmlns:a14="http://schemas.microsoft.com/office/drawing/2010/main" Requires="a14">
           <p:sp>
             <p:nvSpPr>
               <p:cNvPr id="10" name="Segnaposto testo 2">
@@ -10516,7 +10551,7 @@
             </p:spPr>
             <p:txBody>
               <a:bodyPr vert="horz" lIns="91440" tIns="45720" rIns="91440" bIns="45720" rtlCol="0">
-                <a:normAutofit fontScale="70000" lnSpcReduction="20000"/>
+                <a:normAutofit fontScale="85000" lnSpcReduction="20000"/>
               </a:bodyPr>
               <a:lstStyle>
                 <a:lvl1pPr marL="0" indent="0" algn="l" defTabSz="914400" rtl="0" eaLnBrk="1" latinLnBrk="0" hangingPunct="1">
@@ -10717,7 +10752,7 @@
                       <a:schemeClr val="tx1"/>
                     </a:solidFill>
                   </a:rPr>
-                  <a:t>-Riferimento a gradino</a:t>
+                  <a:t>- Input gradino</a:t>
                 </a:r>
               </a:p>
               <a:p>
@@ -10845,7 +10880,7 @@
             </p:txBody>
           </p:sp>
         </mc:Choice>
-        <mc:Fallback xmlns="">
+        <mc:Fallback>
           <p:sp>
             <p:nvSpPr>
               <p:cNvPr id="10" name="Segnaposto testo 2">
@@ -10871,7 +10906,7 @@
               <a:blipFill>
                 <a:blip r:embed="rId3"/>
                 <a:stretch>
-                  <a:fillRect l="-1892" t="-6731"/>
+                  <a:fillRect l="-2973" t="-8654" b="-1442"/>
                 </a:stretch>
               </a:blipFill>
             </p:spPr>
@@ -10980,8 +11015,8 @@
           <a:chExt cx="0" cy="0"/>
         </a:xfrm>
       </p:grpSpPr>
-      <mc:AlternateContent xmlns:mc="http://schemas.openxmlformats.org/markup-compatibility/2006" xmlns:a14="http://schemas.microsoft.com/office/drawing/2010/main">
-        <mc:Choice Requires="a14">
+      <mc:AlternateContent xmlns:mc="http://schemas.openxmlformats.org/markup-compatibility/2006">
+        <mc:Choice xmlns:a14="http://schemas.microsoft.com/office/drawing/2010/main" Requires="a14">
           <p:sp>
             <p:nvSpPr>
               <p:cNvPr id="3" name="Segnaposto testo 2">
@@ -11006,7 +11041,7 @@
             </p:spPr>
             <p:txBody>
               <a:bodyPr>
-                <a:normAutofit fontScale="70000" lnSpcReduction="20000"/>
+                <a:normAutofit fontScale="85000" lnSpcReduction="20000"/>
               </a:bodyPr>
               <a:lstStyle/>
               <a:p>
@@ -11026,7 +11061,7 @@
                       <a:schemeClr val="tx1"/>
                     </a:solidFill>
                   </a:rPr>
-                  <a:t>-Riferimento a gradino</a:t>
+                  <a:t>- Input gradino</a:t>
                 </a:r>
               </a:p>
               <a:p>
@@ -11154,7 +11189,7 @@
             </p:txBody>
           </p:sp>
         </mc:Choice>
-        <mc:Fallback xmlns="">
+        <mc:Fallback>
           <p:sp>
             <p:nvSpPr>
               <p:cNvPr id="3" name="Segnaposto testo 2">
@@ -11179,7 +11214,7 @@
               <a:blipFill>
                 <a:blip r:embed="rId2"/>
                 <a:stretch>
-                  <a:fillRect l="-1622" t="-7246"/>
+                  <a:fillRect l="-2703" t="-9179" b="-1932"/>
                 </a:stretch>
               </a:blipFill>
             </p:spPr>
@@ -11198,8 +11233,8 @@
           </p:sp>
         </mc:Fallback>
       </mc:AlternateContent>
-      <mc:AlternateContent xmlns:mc="http://schemas.openxmlformats.org/markup-compatibility/2006" xmlns:a14="http://schemas.microsoft.com/office/drawing/2010/main">
-        <mc:Choice Requires="a14">
+      <mc:AlternateContent xmlns:mc="http://schemas.openxmlformats.org/markup-compatibility/2006">
+        <mc:Choice xmlns:a14="http://schemas.microsoft.com/office/drawing/2010/main" Requires="a14">
           <p:sp>
             <p:nvSpPr>
               <p:cNvPr id="10" name="Segnaposto testo 2">
@@ -11225,7 +11260,7 @@
             </p:spPr>
             <p:txBody>
               <a:bodyPr vert="horz" lIns="91440" tIns="45720" rIns="91440" bIns="45720" rtlCol="0">
-                <a:normAutofit fontScale="70000" lnSpcReduction="20000"/>
+                <a:normAutofit fontScale="85000" lnSpcReduction="20000"/>
               </a:bodyPr>
               <a:lstStyle>
                 <a:lvl1pPr marL="0" indent="0" algn="l" defTabSz="914400" rtl="0" eaLnBrk="1" latinLnBrk="0" hangingPunct="1">
@@ -11426,7 +11461,7 @@
                       <a:schemeClr val="tx1"/>
                     </a:solidFill>
                   </a:rPr>
-                  <a:t>-Riferimento a gradino</a:t>
+                  <a:t>- Input gradino</a:t>
                 </a:r>
               </a:p>
               <a:p>
@@ -11570,7 +11605,7 @@
             </p:txBody>
           </p:sp>
         </mc:Choice>
-        <mc:Fallback xmlns="">
+        <mc:Fallback>
           <p:sp>
             <p:nvSpPr>
               <p:cNvPr id="10" name="Segnaposto testo 2">
@@ -11596,7 +11631,7 @@
               <a:blipFill>
                 <a:blip r:embed="rId3"/>
                 <a:stretch>
-                  <a:fillRect l="-1892" t="-6731"/>
+                  <a:fillRect l="-2973" t="-8654" b="-1442"/>
                 </a:stretch>
               </a:blipFill>
             </p:spPr>
@@ -11705,8 +11740,8 @@
           <a:chExt cx="0" cy="0"/>
         </a:xfrm>
       </p:grpSpPr>
-      <mc:AlternateContent xmlns:mc="http://schemas.openxmlformats.org/markup-compatibility/2006" xmlns:a14="http://schemas.microsoft.com/office/drawing/2010/main">
-        <mc:Choice Requires="a14">
+      <mc:AlternateContent xmlns:mc="http://schemas.openxmlformats.org/markup-compatibility/2006">
+        <mc:Choice xmlns:a14="http://schemas.microsoft.com/office/drawing/2010/main" Requires="a14">
           <p:sp>
             <p:nvSpPr>
               <p:cNvPr id="3" name="Segnaposto testo 2">
@@ -11731,7 +11766,7 @@
             </p:spPr>
             <p:txBody>
               <a:bodyPr>
-                <a:normAutofit fontScale="70000" lnSpcReduction="20000"/>
+                <a:normAutofit fontScale="85000" lnSpcReduction="20000"/>
               </a:bodyPr>
               <a:lstStyle/>
               <a:p>
@@ -11751,7 +11786,7 @@
                       <a:schemeClr val="tx1"/>
                     </a:solidFill>
                   </a:rPr>
-                  <a:t>-Riferimento a gradino</a:t>
+                  <a:t>- Input gradino</a:t>
                 </a:r>
               </a:p>
               <a:p>
@@ -11879,7 +11914,7 @@
             </p:txBody>
           </p:sp>
         </mc:Choice>
-        <mc:Fallback xmlns="">
+        <mc:Fallback>
           <p:sp>
             <p:nvSpPr>
               <p:cNvPr id="3" name="Segnaposto testo 2">
@@ -11904,7 +11939,7 @@
               <a:blipFill>
                 <a:blip r:embed="rId2"/>
                 <a:stretch>
-                  <a:fillRect l="-1622" t="-7246"/>
+                  <a:fillRect l="-2703" t="-9179" b="-1932"/>
                 </a:stretch>
               </a:blipFill>
             </p:spPr>
@@ -11923,8 +11958,8 @@
           </p:sp>
         </mc:Fallback>
       </mc:AlternateContent>
-      <mc:AlternateContent xmlns:mc="http://schemas.openxmlformats.org/markup-compatibility/2006" xmlns:a14="http://schemas.microsoft.com/office/drawing/2010/main">
-        <mc:Choice Requires="a14">
+      <mc:AlternateContent xmlns:mc="http://schemas.openxmlformats.org/markup-compatibility/2006">
+        <mc:Choice xmlns:a14="http://schemas.microsoft.com/office/drawing/2010/main" Requires="a14">
           <p:sp>
             <p:nvSpPr>
               <p:cNvPr id="10" name="Segnaposto testo 2">
@@ -11950,7 +11985,7 @@
             </p:spPr>
             <p:txBody>
               <a:bodyPr vert="horz" lIns="91440" tIns="45720" rIns="91440" bIns="45720" rtlCol="0">
-                <a:normAutofit fontScale="70000" lnSpcReduction="20000"/>
+                <a:normAutofit fontScale="85000" lnSpcReduction="20000"/>
               </a:bodyPr>
               <a:lstStyle>
                 <a:lvl1pPr marL="0" indent="0" algn="l" defTabSz="914400" rtl="0" eaLnBrk="1" latinLnBrk="0" hangingPunct="1">
@@ -12151,7 +12186,7 @@
                       <a:schemeClr val="tx1"/>
                     </a:solidFill>
                   </a:rPr>
-                  <a:t>-Riferimento a gradino</a:t>
+                  <a:t>- Input gradino</a:t>
                 </a:r>
               </a:p>
               <a:p>
@@ -12288,7 +12323,7 @@
             </p:txBody>
           </p:sp>
         </mc:Choice>
-        <mc:Fallback xmlns="">
+        <mc:Fallback>
           <p:sp>
             <p:nvSpPr>
               <p:cNvPr id="10" name="Segnaposto testo 2">
@@ -12314,7 +12349,7 @@
               <a:blipFill>
                 <a:blip r:embed="rId3"/>
                 <a:stretch>
-                  <a:fillRect l="-1892" t="-6731"/>
+                  <a:fillRect l="-2973" t="-8654" b="-1442"/>
                 </a:stretch>
               </a:blipFill>
             </p:spPr>
@@ -12423,8 +12458,8 @@
           <a:chExt cx="0" cy="0"/>
         </a:xfrm>
       </p:grpSpPr>
-      <mc:AlternateContent xmlns:mc="http://schemas.openxmlformats.org/markup-compatibility/2006" xmlns:a14="http://schemas.microsoft.com/office/drawing/2010/main">
-        <mc:Choice Requires="a14">
+      <mc:AlternateContent xmlns:mc="http://schemas.openxmlformats.org/markup-compatibility/2006">
+        <mc:Choice xmlns:a14="http://schemas.microsoft.com/office/drawing/2010/main" Requires="a14">
           <p:sp>
             <p:nvSpPr>
               <p:cNvPr id="3" name="Segnaposto testo 2">
@@ -12449,7 +12484,7 @@
             </p:spPr>
             <p:txBody>
               <a:bodyPr>
-                <a:normAutofit fontScale="70000" lnSpcReduction="20000"/>
+                <a:normAutofit fontScale="85000" lnSpcReduction="20000"/>
               </a:bodyPr>
               <a:lstStyle/>
               <a:p>
@@ -12469,7 +12504,7 @@
                       <a:schemeClr val="tx1"/>
                     </a:solidFill>
                   </a:rPr>
-                  <a:t>-Riferimento sinusoide</a:t>
+                  <a:t>- Input sinusoide</a:t>
                 </a:r>
               </a:p>
               <a:p>
@@ -12597,7 +12632,7 @@
             </p:txBody>
           </p:sp>
         </mc:Choice>
-        <mc:Fallback xmlns="">
+        <mc:Fallback>
           <p:sp>
             <p:nvSpPr>
               <p:cNvPr id="3" name="Segnaposto testo 2">
@@ -12622,7 +12657,7 @@
               <a:blipFill>
                 <a:blip r:embed="rId2"/>
                 <a:stretch>
-                  <a:fillRect l="-1622" t="-7246"/>
+                  <a:fillRect l="-2703" t="-9179" b="-1932"/>
                 </a:stretch>
               </a:blipFill>
             </p:spPr>
@@ -12641,8 +12676,8 @@
           </p:sp>
         </mc:Fallback>
       </mc:AlternateContent>
-      <mc:AlternateContent xmlns:mc="http://schemas.openxmlformats.org/markup-compatibility/2006" xmlns:a14="http://schemas.microsoft.com/office/drawing/2010/main">
-        <mc:Choice Requires="a14">
+      <mc:AlternateContent xmlns:mc="http://schemas.openxmlformats.org/markup-compatibility/2006">
+        <mc:Choice xmlns:a14="http://schemas.microsoft.com/office/drawing/2010/main" Requires="a14">
           <p:sp>
             <p:nvSpPr>
               <p:cNvPr id="10" name="Segnaposto testo 2">
@@ -12668,7 +12703,7 @@
             </p:spPr>
             <p:txBody>
               <a:bodyPr vert="horz" lIns="91440" tIns="45720" rIns="91440" bIns="45720" rtlCol="0">
-                <a:normAutofit fontScale="70000" lnSpcReduction="20000"/>
+                <a:normAutofit fontScale="85000" lnSpcReduction="20000"/>
               </a:bodyPr>
               <a:lstStyle>
                 <a:lvl1pPr marL="0" indent="0" algn="l" defTabSz="914400" rtl="0" eaLnBrk="1" latinLnBrk="0" hangingPunct="1">
@@ -12869,7 +12904,7 @@
                       <a:schemeClr val="tx1"/>
                     </a:solidFill>
                   </a:rPr>
-                  <a:t>-Riferimento sinusoide</a:t>
+                  <a:t>- Input sinusoide</a:t>
                 </a:r>
               </a:p>
               <a:p>
@@ -13006,7 +13041,7 @@
             </p:txBody>
           </p:sp>
         </mc:Choice>
-        <mc:Fallback xmlns="">
+        <mc:Fallback>
           <p:sp>
             <p:nvSpPr>
               <p:cNvPr id="10" name="Segnaposto testo 2">
@@ -13032,7 +13067,7 @@
               <a:blipFill>
                 <a:blip r:embed="rId3"/>
                 <a:stretch>
-                  <a:fillRect l="-1892" t="-6731"/>
+                  <a:fillRect l="-2973" t="-8654" b="-1442"/>
                 </a:stretch>
               </a:blipFill>
             </p:spPr>
@@ -13141,8 +13176,8 @@
           <a:chExt cx="0" cy="0"/>
         </a:xfrm>
       </p:grpSpPr>
-      <mc:AlternateContent xmlns:mc="http://schemas.openxmlformats.org/markup-compatibility/2006" xmlns:a14="http://schemas.microsoft.com/office/drawing/2010/main">
-        <mc:Choice Requires="a14">
+      <mc:AlternateContent xmlns:mc="http://schemas.openxmlformats.org/markup-compatibility/2006">
+        <mc:Choice xmlns:a14="http://schemas.microsoft.com/office/drawing/2010/main" Requires="a14">
           <p:sp>
             <p:nvSpPr>
               <p:cNvPr id="3" name="Segnaposto testo 2">
@@ -13167,7 +13202,7 @@
             </p:spPr>
             <p:txBody>
               <a:bodyPr>
-                <a:normAutofit fontScale="70000" lnSpcReduction="20000"/>
+                <a:normAutofit fontScale="85000" lnSpcReduction="20000"/>
               </a:bodyPr>
               <a:lstStyle/>
               <a:p>
@@ -13187,7 +13222,7 @@
                       <a:schemeClr val="tx1"/>
                     </a:solidFill>
                   </a:rPr>
-                  <a:t>-Riferimento a gradino</a:t>
+                  <a:t>- Input gradino</a:t>
                 </a:r>
               </a:p>
               <a:p>
@@ -13315,7 +13350,7 @@
             </p:txBody>
           </p:sp>
         </mc:Choice>
-        <mc:Fallback xmlns="">
+        <mc:Fallback>
           <p:sp>
             <p:nvSpPr>
               <p:cNvPr id="3" name="Segnaposto testo 2">
@@ -13340,7 +13375,7 @@
               <a:blipFill>
                 <a:blip r:embed="rId2"/>
                 <a:stretch>
-                  <a:fillRect l="-1622" t="-7246"/>
+                  <a:fillRect l="-2703" t="-9179" b="-1932"/>
                 </a:stretch>
               </a:blipFill>
             </p:spPr>
@@ -13359,8 +13394,8 @@
           </p:sp>
         </mc:Fallback>
       </mc:AlternateContent>
-      <mc:AlternateContent xmlns:mc="http://schemas.openxmlformats.org/markup-compatibility/2006" xmlns:a14="http://schemas.microsoft.com/office/drawing/2010/main">
-        <mc:Choice Requires="a14">
+      <mc:AlternateContent xmlns:mc="http://schemas.openxmlformats.org/markup-compatibility/2006">
+        <mc:Choice xmlns:a14="http://schemas.microsoft.com/office/drawing/2010/main" Requires="a14">
           <p:sp>
             <p:nvSpPr>
               <p:cNvPr id="10" name="Segnaposto testo 2">
@@ -13386,7 +13421,7 @@
             </p:spPr>
             <p:txBody>
               <a:bodyPr vert="horz" lIns="91440" tIns="45720" rIns="91440" bIns="45720" rtlCol="0">
-                <a:normAutofit fontScale="70000" lnSpcReduction="20000"/>
+                <a:normAutofit fontScale="85000" lnSpcReduction="20000"/>
               </a:bodyPr>
               <a:lstStyle>
                 <a:lvl1pPr marL="0" indent="0" algn="l" defTabSz="914400" rtl="0" eaLnBrk="1" latinLnBrk="0" hangingPunct="1">
@@ -13587,7 +13622,7 @@
                       <a:schemeClr val="tx1"/>
                     </a:solidFill>
                   </a:rPr>
-                  <a:t>-Riferimento a gradino</a:t>
+                  <a:t>- Input gradino</a:t>
                 </a:r>
               </a:p>
               <a:p>
@@ -13724,7 +13759,7 @@
             </p:txBody>
           </p:sp>
         </mc:Choice>
-        <mc:Fallback xmlns="">
+        <mc:Fallback>
           <p:sp>
             <p:nvSpPr>
               <p:cNvPr id="10" name="Segnaposto testo 2">
@@ -13750,7 +13785,7 @@
               <a:blipFill>
                 <a:blip r:embed="rId3"/>
                 <a:stretch>
-                  <a:fillRect l="-1892" t="-6731"/>
+                  <a:fillRect l="-2973" t="-8654" b="-1442"/>
                 </a:stretch>
               </a:blipFill>
             </p:spPr>
@@ -13859,8 +13894,8 @@
           <a:chExt cx="0" cy="0"/>
         </a:xfrm>
       </p:grpSpPr>
-      <mc:AlternateContent xmlns:mc="http://schemas.openxmlformats.org/markup-compatibility/2006" xmlns:a14="http://schemas.microsoft.com/office/drawing/2010/main">
-        <mc:Choice Requires="a14">
+      <mc:AlternateContent xmlns:mc="http://schemas.openxmlformats.org/markup-compatibility/2006">
+        <mc:Choice xmlns:a14="http://schemas.microsoft.com/office/drawing/2010/main" Requires="a14">
           <p:sp>
             <p:nvSpPr>
               <p:cNvPr id="3" name="Segnaposto testo 2">
@@ -13885,7 +13920,7 @@
             </p:spPr>
             <p:txBody>
               <a:bodyPr>
-                <a:normAutofit fontScale="70000" lnSpcReduction="20000"/>
+                <a:normAutofit fontScale="85000" lnSpcReduction="20000"/>
               </a:bodyPr>
               <a:lstStyle/>
               <a:p>
@@ -13905,7 +13940,7 @@
                       <a:schemeClr val="tx1"/>
                     </a:solidFill>
                   </a:rPr>
-                  <a:t>-Riferimento a gradino</a:t>
+                  <a:t>-Input gradino</a:t>
                 </a:r>
               </a:p>
               <a:p>
@@ -14033,7 +14068,7 @@
             </p:txBody>
           </p:sp>
         </mc:Choice>
-        <mc:Fallback xmlns="">
+        <mc:Fallback>
           <p:sp>
             <p:nvSpPr>
               <p:cNvPr id="3" name="Segnaposto testo 2">
@@ -14058,7 +14093,7 @@
               <a:blipFill>
                 <a:blip r:embed="rId2"/>
                 <a:stretch>
-                  <a:fillRect l="-1622" t="-7246"/>
+                  <a:fillRect l="-2703" t="-9179" b="-1932"/>
                 </a:stretch>
               </a:blipFill>
             </p:spPr>
@@ -14077,8 +14112,8 @@
           </p:sp>
         </mc:Fallback>
       </mc:AlternateContent>
-      <mc:AlternateContent xmlns:mc="http://schemas.openxmlformats.org/markup-compatibility/2006" xmlns:a14="http://schemas.microsoft.com/office/drawing/2010/main">
-        <mc:Choice Requires="a14">
+      <mc:AlternateContent xmlns:mc="http://schemas.openxmlformats.org/markup-compatibility/2006">
+        <mc:Choice xmlns:a14="http://schemas.microsoft.com/office/drawing/2010/main" Requires="a14">
           <p:sp>
             <p:nvSpPr>
               <p:cNvPr id="10" name="Segnaposto testo 2">
@@ -14104,7 +14139,7 @@
             </p:spPr>
             <p:txBody>
               <a:bodyPr vert="horz" lIns="91440" tIns="45720" rIns="91440" bIns="45720" rtlCol="0">
-                <a:normAutofit fontScale="70000" lnSpcReduction="20000"/>
+                <a:normAutofit fontScale="85000" lnSpcReduction="20000"/>
               </a:bodyPr>
               <a:lstStyle>
                 <a:lvl1pPr marL="0" indent="0" algn="l" defTabSz="914400" rtl="0" eaLnBrk="1" latinLnBrk="0" hangingPunct="1">
@@ -14305,7 +14340,7 @@
                       <a:schemeClr val="tx1"/>
                     </a:solidFill>
                   </a:rPr>
-                  <a:t>-Riferimento a gradino</a:t>
+                  <a:t>- Input gradino</a:t>
                 </a:r>
               </a:p>
               <a:p>
@@ -14442,7 +14477,7 @@
             </p:txBody>
           </p:sp>
         </mc:Choice>
-        <mc:Fallback xmlns="">
+        <mc:Fallback>
           <p:sp>
             <p:nvSpPr>
               <p:cNvPr id="10" name="Segnaposto testo 2">
@@ -14468,7 +14503,7 @@
               <a:blipFill>
                 <a:blip r:embed="rId3"/>
                 <a:stretch>
-                  <a:fillRect l="-1892" t="-6731"/>
+                  <a:fillRect l="-2973" t="-8654" b="-1442"/>
                 </a:stretch>
               </a:blipFill>
             </p:spPr>
